--- a/WeekReport/W033_2007072_陳泓量.pptx
+++ b/WeekReport/W033_2007072_陳泓量.pptx
@@ -285,7 +285,7 @@
               <a:pPr>
                 <a:defRPr/>
               </a:pPr>
-              <a:t>2020/8/10</a:t>
+              <a:t>2020/8/19</a:t>
             </a:fld>
             <a:endParaRPr lang="zh-CN" altLang="en-US"/>
           </a:p>
@@ -7487,7 +7487,7 @@
           <p:nvPr>
             <p:extLst>
               <p:ext uri="{D42A27DB-BD31-4B8C-83A1-F6EECF244321}">
-                <p14:modId xmlns:p14="http://schemas.microsoft.com/office/powerpoint/2010/main" val="4175902844"/>
+                <p14:modId xmlns:p14="http://schemas.microsoft.com/office/powerpoint/2010/main" val="1821803146"/>
               </p:ext>
             </p:extLst>
           </p:nvPr>
@@ -7507,7 +7507,8 @@
                 <a:gridCol w="2079252"/>
                 <a:gridCol w="594431"/>
                 <a:gridCol w="251103"/>
-                <a:gridCol w="2079252"/>
+                <a:gridCol w="557152"/>
+                <a:gridCol w="1522100"/>
                 <a:gridCol w="2079252"/>
               </a:tblGrid>
               <a:tr h="277349">
@@ -7536,7 +7537,7 @@
                   </a:txBody>
                   <a:tcPr marL="17780" marR="17780" marT="0" marB="0" anchor="ctr"/>
                 </a:tc>
-                <a:tc gridSpan="4">
+                <a:tc gridSpan="5">
                   <a:txBody>
                     <a:bodyPr/>
                     <a:lstStyle/>
@@ -7591,6 +7592,16 @@
                   </a:txBody>
                   <a:tcPr/>
                 </a:tc>
+                <a:tc hMerge="1">
+                  <a:txBody>
+                    <a:bodyPr/>
+                    <a:lstStyle/>
+                    <a:p>
+                      <a:endParaRPr lang="zh-TW" altLang="en-US"/>
+                    </a:p>
+                  </a:txBody>
+                  <a:tcPr/>
+                </a:tc>
                 <a:tc>
                   <a:txBody>
                     <a:bodyPr/>
@@ -7703,7 +7714,7 @@
                   </a:txBody>
                   <a:tcPr marL="17780" marR="17780" marT="0" marB="0" anchor="ctr"/>
                 </a:tc>
-                <a:tc>
+                <a:tc gridSpan="2">
                   <a:txBody>
                     <a:bodyPr/>
                     <a:lstStyle/>
@@ -7728,6 +7739,16 @@
                   </a:txBody>
                   <a:tcPr marL="17780" marR="17780" marT="0" marB="0" anchor="ctr"/>
                 </a:tc>
+                <a:tc hMerge="1">
+                  <a:txBody>
+                    <a:bodyPr/>
+                    <a:lstStyle/>
+                    <a:p>
+                      <a:endParaRPr lang="zh-TW" altLang="en-US"/>
+                    </a:p>
+                  </a:txBody>
+                  <a:tcPr/>
+                </a:tc>
                 <a:tc>
                   <a:txBody>
                     <a:bodyPr/>
@@ -7765,7 +7786,7 @@
                   </a:txBody>
                   <a:tcPr/>
                 </a:tc>
-                <a:tc gridSpan="4">
+                <a:tc gridSpan="5">
                   <a:txBody>
                     <a:bodyPr/>
                     <a:lstStyle/>
@@ -7820,6 +7841,16 @@
                   </a:txBody>
                   <a:tcPr/>
                 </a:tc>
+                <a:tc hMerge="1">
+                  <a:txBody>
+                    <a:bodyPr/>
+                    <a:lstStyle/>
+                    <a:p>
+                      <a:endParaRPr lang="zh-TW" altLang="en-US"/>
+                    </a:p>
+                  </a:txBody>
+                  <a:tcPr/>
+                </a:tc>
                 <a:tc>
                   <a:txBody>
                     <a:bodyPr/>
@@ -7872,7 +7903,7 @@
                   </a:txBody>
                   <a:tcPr marL="17780" marR="17780" marT="0" marB="0"/>
                 </a:tc>
-                <a:tc gridSpan="4">
+                <a:tc gridSpan="5">
                   <a:txBody>
                     <a:bodyPr/>
                     <a:lstStyle/>
@@ -7927,6 +7958,16 @@
                   </a:txBody>
                   <a:tcPr/>
                 </a:tc>
+                <a:tc hMerge="1">
+                  <a:txBody>
+                    <a:bodyPr/>
+                    <a:lstStyle/>
+                    <a:p>
+                      <a:endParaRPr lang="zh-TW" altLang="en-US"/>
+                    </a:p>
+                  </a:txBody>
+                  <a:tcPr/>
+                </a:tc>
                 <a:tc>
                   <a:txBody>
                     <a:bodyPr/>
@@ -8004,7 +8045,7 @@
                   </a:txBody>
                   <a:tcPr marL="17780" marR="17780" marT="0" marB="0" anchor="ctr"/>
                 </a:tc>
-                <a:tc>
+                <a:tc gridSpan="2">
                   <a:txBody>
                     <a:bodyPr/>
                     <a:lstStyle/>
@@ -8020,6 +8061,25 @@
                         </a:rPr>
                         <a:t>FFRALN10</a:t>
                       </a:r>
+                      <a:endParaRPr lang="zh-TW" sz="1200">
+                        <a:effectLst/>
+                        <a:latin typeface="Calibri" panose="020F0502020204030204" pitchFamily="34" charset="0"/>
+                        <a:ea typeface="新細明體" panose="02020500000000000000" pitchFamily="18" charset="-120"/>
+                      </a:endParaRPr>
+                    </a:p>
+                  </a:txBody>
+                  <a:tcPr marL="17780" marR="17780" marT="0" marB="0" anchor="ctr"/>
+                </a:tc>
+                <a:tc hMerge="1">
+                  <a:txBody>
+                    <a:bodyPr/>
+                    <a:lstStyle/>
+                    <a:p>
+                      <a:pPr algn="ctr">
+                        <a:spcAft>
+                          <a:spcPts val="0"/>
+                        </a:spcAft>
+                      </a:pPr>
                       <a:endParaRPr lang="zh-TW" sz="1200">
                         <a:effectLst/>
                         <a:latin typeface="Calibri" panose="020F0502020204030204" pitchFamily="34" charset="0"/>
@@ -8157,7 +8217,7 @@
                   </a:txBody>
                   <a:tcPr marL="17780" marR="17780" marT="0" marB="0" anchor="ctr"/>
                 </a:tc>
-                <a:tc>
+                <a:tc gridSpan="2">
                   <a:txBody>
                     <a:bodyPr/>
                     <a:lstStyle/>
@@ -8173,6 +8233,25 @@
                         </a:rPr>
                         <a:t>FFGALN10</a:t>
                       </a:r>
+                      <a:endParaRPr lang="zh-TW" sz="1200">
+                        <a:effectLst/>
+                        <a:latin typeface="Calibri" panose="020F0502020204030204" pitchFamily="34" charset="0"/>
+                        <a:ea typeface="新細明體" panose="02020500000000000000" pitchFamily="18" charset="-120"/>
+                      </a:endParaRPr>
+                    </a:p>
+                  </a:txBody>
+                  <a:tcPr marL="17780" marR="17780" marT="0" marB="0" anchor="ctr"/>
+                </a:tc>
+                <a:tc hMerge="1">
+                  <a:txBody>
+                    <a:bodyPr/>
+                    <a:lstStyle/>
+                    <a:p>
+                      <a:pPr algn="ctr">
+                        <a:spcAft>
+                          <a:spcPts val="0"/>
+                        </a:spcAft>
+                      </a:pPr>
                       <a:endParaRPr lang="zh-TW" sz="1200">
                         <a:effectLst/>
                         <a:latin typeface="Calibri" panose="020F0502020204030204" pitchFamily="34" charset="0"/>
@@ -8310,7 +8389,7 @@
                   </a:txBody>
                   <a:tcPr marL="17780" marR="17780" marT="0" marB="0" anchor="ctr"/>
                 </a:tc>
-                <a:tc>
+                <a:tc gridSpan="2">
                   <a:txBody>
                     <a:bodyPr/>
                     <a:lstStyle/>
@@ -8326,6 +8405,25 @@
                         </a:rPr>
                         <a:t>FFBALN10</a:t>
                       </a:r>
+                      <a:endParaRPr lang="zh-TW" sz="1200">
+                        <a:effectLst/>
+                        <a:latin typeface="Calibri" panose="020F0502020204030204" pitchFamily="34" charset="0"/>
+                        <a:ea typeface="新細明體" panose="02020500000000000000" pitchFamily="18" charset="-120"/>
+                      </a:endParaRPr>
+                    </a:p>
+                  </a:txBody>
+                  <a:tcPr marL="17780" marR="17780" marT="0" marB="0" anchor="ctr"/>
+                </a:tc>
+                <a:tc hMerge="1">
+                  <a:txBody>
+                    <a:bodyPr/>
+                    <a:lstStyle/>
+                    <a:p>
+                      <a:pPr algn="ctr">
+                        <a:spcAft>
+                          <a:spcPts val="0"/>
+                        </a:spcAft>
+                      </a:pPr>
                       <a:endParaRPr lang="zh-TW" sz="1200">
                         <a:effectLst/>
                         <a:latin typeface="Calibri" panose="020F0502020204030204" pitchFamily="34" charset="0"/>
@@ -8463,7 +8561,7 @@
                   </a:txBody>
                   <a:tcPr marL="17780" marR="17780" marT="0" marB="0" anchor="ctr"/>
                 </a:tc>
-                <a:tc>
+                <a:tc gridSpan="2">
                   <a:txBody>
                     <a:bodyPr/>
                     <a:lstStyle/>
@@ -8479,6 +8577,25 @@
                         </a:rPr>
                         <a:t>FFSALN10</a:t>
                       </a:r>
+                      <a:endParaRPr lang="zh-TW" sz="1200">
+                        <a:effectLst/>
+                        <a:latin typeface="Calibri" panose="020F0502020204030204" pitchFamily="34" charset="0"/>
+                        <a:ea typeface="新細明體" panose="02020500000000000000" pitchFamily="18" charset="-120"/>
+                      </a:endParaRPr>
+                    </a:p>
+                  </a:txBody>
+                  <a:tcPr marL="17780" marR="17780" marT="0" marB="0" anchor="ctr"/>
+                </a:tc>
+                <a:tc hMerge="1">
+                  <a:txBody>
+                    <a:bodyPr/>
+                    <a:lstStyle/>
+                    <a:p>
+                      <a:pPr algn="ctr">
+                        <a:spcAft>
+                          <a:spcPts val="0"/>
+                        </a:spcAft>
+                      </a:pPr>
                       <a:endParaRPr lang="zh-TW" sz="1200">
                         <a:effectLst/>
                         <a:latin typeface="Calibri" panose="020F0502020204030204" pitchFamily="34" charset="0"/>
@@ -13772,7 +13889,6 @@
               <a:rPr lang="zh-TW" altLang="en-US" sz="3200" dirty="0"/>
               <a:t>丟回機台</a:t>
             </a:r>
-            <a:endParaRPr lang="zh-TW" altLang="en-US" sz="3200" dirty="0"/>
           </a:p>
         </p:txBody>
       </p:sp>
@@ -13822,7 +13938,6 @@
               <a:rPr lang="zh-TW" altLang="en-US" sz="2000" dirty="0"/>
               <a:t>進制讀寫入相對應欄位中</a:t>
             </a:r>
-            <a:endParaRPr lang="zh-TW" altLang="en-US" sz="2000" dirty="0"/>
           </a:p>
         </p:txBody>
       </p:sp>
